--- a/docs/diagrams/UiComponentClassDiagram.pptx
+++ b/docs/diagrams/UiComponentClassDiagram.pptx
@@ -109,7 +109,7 @@
   </p:defaultTextStyle>
   <p:extLst>
     <p:ext uri="{EFAFB233-063F-42B5-8137-9DF3F51BA10A}">
-      <p15:sldGuideLst xmlns:p15="http://schemas.microsoft.com/office/powerpoint/2012/main">
+      <p15:sldGuideLst xmlns:p15="http://schemas.microsoft.com/office/powerpoint/2012/main" xmlns="">
         <p15:guide id="1" orient="horz" pos="1488">
           <p15:clr>
             <a:srgbClr val="A4A3A4"/>
@@ -208,7 +208,8 @@
           <a:p>
             <a:fld id="{F5CC4B3F-88C1-4FFA-B1B6-F41C21DC6924}" type="datetimeFigureOut">
               <a:rPr lang="en-US" smtClean="0"/>
-              <a:t>1/7/2017</a:t>
+              <a:pPr/>
+              <a:t>3/20/2018</a:t>
             </a:fld>
             <a:endParaRPr lang="en-US"/>
           </a:p>
@@ -366,6 +367,7 @@
           <a:p>
             <a:fld id="{5A7AB025-77E3-4BD1-A2FD-B3183DBA47A3}" type="slidenum">
               <a:rPr lang="en-US" smtClean="0"/>
+              <a:pPr/>
               <a:t>‹#›</a:t>
             </a:fld>
             <a:endParaRPr lang="en-US"/>
@@ -375,7 +377,7 @@
     </p:spTree>
     <p:extLst>
       <p:ext uri="{BB962C8B-B14F-4D97-AF65-F5344CB8AC3E}">
-        <p14:creationId xmlns:p14="http://schemas.microsoft.com/office/powerpoint/2010/main" val="2023976206"/>
+        <p14:creationId xmlns:p14="http://schemas.microsoft.com/office/powerpoint/2010/main" xmlns="" val="2023976206"/>
       </p:ext>
     </p:extLst>
   </p:cSld>
@@ -654,7 +656,8 @@
           <a:p>
             <a:fld id="{78C97017-6FC3-485B-9764-EAC9E56C1D49}" type="datetimeFigureOut">
               <a:rPr lang="en-US" smtClean="0"/>
-              <a:t>1/7/2017</a:t>
+              <a:pPr/>
+              <a:t>3/20/2018</a:t>
             </a:fld>
             <a:endParaRPr lang="en-US"/>
           </a:p>
@@ -696,6 +699,7 @@
           <a:p>
             <a:fld id="{FB34683C-161B-4520-BF45-B179E228CF2A}" type="slidenum">
               <a:rPr lang="en-US" smtClean="0"/>
+              <a:pPr/>
               <a:t>‹#›</a:t>
             </a:fld>
             <a:endParaRPr lang="en-US"/>
@@ -705,7 +709,7 @@
     </p:spTree>
     <p:extLst>
       <p:ext uri="{BB962C8B-B14F-4D97-AF65-F5344CB8AC3E}">
-        <p14:creationId xmlns:p14="http://schemas.microsoft.com/office/powerpoint/2010/main" val="3246593157"/>
+        <p14:creationId xmlns:p14="http://schemas.microsoft.com/office/powerpoint/2010/main" xmlns="" val="3246593157"/>
       </p:ext>
     </p:extLst>
   </p:cSld>
@@ -822,7 +826,8 @@
           <a:p>
             <a:fld id="{78C97017-6FC3-485B-9764-EAC9E56C1D49}" type="datetimeFigureOut">
               <a:rPr lang="en-US" smtClean="0"/>
-              <a:t>1/7/2017</a:t>
+              <a:pPr/>
+              <a:t>3/20/2018</a:t>
             </a:fld>
             <a:endParaRPr lang="en-US"/>
           </a:p>
@@ -864,6 +869,7 @@
           <a:p>
             <a:fld id="{FB34683C-161B-4520-BF45-B179E228CF2A}" type="slidenum">
               <a:rPr lang="en-US" smtClean="0"/>
+              <a:pPr/>
               <a:t>‹#›</a:t>
             </a:fld>
             <a:endParaRPr lang="en-US"/>
@@ -873,7 +879,7 @@
     </p:spTree>
     <p:extLst>
       <p:ext uri="{BB962C8B-B14F-4D97-AF65-F5344CB8AC3E}">
-        <p14:creationId xmlns:p14="http://schemas.microsoft.com/office/powerpoint/2010/main" val="2707025021"/>
+        <p14:creationId xmlns:p14="http://schemas.microsoft.com/office/powerpoint/2010/main" xmlns="" val="2707025021"/>
       </p:ext>
     </p:extLst>
   </p:cSld>
@@ -1000,7 +1006,8 @@
           <a:p>
             <a:fld id="{78C97017-6FC3-485B-9764-EAC9E56C1D49}" type="datetimeFigureOut">
               <a:rPr lang="en-US" smtClean="0"/>
-              <a:t>1/7/2017</a:t>
+              <a:pPr/>
+              <a:t>3/20/2018</a:t>
             </a:fld>
             <a:endParaRPr lang="en-US"/>
           </a:p>
@@ -1042,6 +1049,7 @@
           <a:p>
             <a:fld id="{FB34683C-161B-4520-BF45-B179E228CF2A}" type="slidenum">
               <a:rPr lang="en-US" smtClean="0"/>
+              <a:pPr/>
               <a:t>‹#›</a:t>
             </a:fld>
             <a:endParaRPr lang="en-US"/>
@@ -1051,7 +1059,7 @@
     </p:spTree>
     <p:extLst>
       <p:ext uri="{BB962C8B-B14F-4D97-AF65-F5344CB8AC3E}">
-        <p14:creationId xmlns:p14="http://schemas.microsoft.com/office/powerpoint/2010/main" val="568378986"/>
+        <p14:creationId xmlns:p14="http://schemas.microsoft.com/office/powerpoint/2010/main" xmlns="" val="568378986"/>
       </p:ext>
     </p:extLst>
   </p:cSld>
@@ -1168,7 +1176,8 @@
           <a:p>
             <a:fld id="{78C97017-6FC3-485B-9764-EAC9E56C1D49}" type="datetimeFigureOut">
               <a:rPr lang="en-US" smtClean="0"/>
-              <a:t>1/7/2017</a:t>
+              <a:pPr/>
+              <a:t>3/20/2018</a:t>
             </a:fld>
             <a:endParaRPr lang="en-US"/>
           </a:p>
@@ -1210,6 +1219,7 @@
           <a:p>
             <a:fld id="{FB34683C-161B-4520-BF45-B179E228CF2A}" type="slidenum">
               <a:rPr lang="en-US" smtClean="0"/>
+              <a:pPr/>
               <a:t>‹#›</a:t>
             </a:fld>
             <a:endParaRPr lang="en-US"/>
@@ -1219,7 +1229,7 @@
     </p:spTree>
     <p:extLst>
       <p:ext uri="{BB962C8B-B14F-4D97-AF65-F5344CB8AC3E}">
-        <p14:creationId xmlns:p14="http://schemas.microsoft.com/office/powerpoint/2010/main" val="266658052"/>
+        <p14:creationId xmlns:p14="http://schemas.microsoft.com/office/powerpoint/2010/main" xmlns="" val="266658052"/>
       </p:ext>
     </p:extLst>
   </p:cSld>
@@ -1413,7 +1423,8 @@
           <a:p>
             <a:fld id="{78C97017-6FC3-485B-9764-EAC9E56C1D49}" type="datetimeFigureOut">
               <a:rPr lang="en-US" smtClean="0"/>
-              <a:t>1/7/2017</a:t>
+              <a:pPr/>
+              <a:t>3/20/2018</a:t>
             </a:fld>
             <a:endParaRPr lang="en-US"/>
           </a:p>
@@ -1455,6 +1466,7 @@
           <a:p>
             <a:fld id="{FB34683C-161B-4520-BF45-B179E228CF2A}" type="slidenum">
               <a:rPr lang="en-US" smtClean="0"/>
+              <a:pPr/>
               <a:t>‹#›</a:t>
             </a:fld>
             <a:endParaRPr lang="en-US"/>
@@ -1464,7 +1476,7 @@
     </p:spTree>
     <p:extLst>
       <p:ext uri="{BB962C8B-B14F-4D97-AF65-F5344CB8AC3E}">
-        <p14:creationId xmlns:p14="http://schemas.microsoft.com/office/powerpoint/2010/main" val="474686344"/>
+        <p14:creationId xmlns:p14="http://schemas.microsoft.com/office/powerpoint/2010/main" xmlns="" val="474686344"/>
       </p:ext>
     </p:extLst>
   </p:cSld>
@@ -1698,7 +1710,8 @@
           <a:p>
             <a:fld id="{78C97017-6FC3-485B-9764-EAC9E56C1D49}" type="datetimeFigureOut">
               <a:rPr lang="en-US" smtClean="0"/>
-              <a:t>1/7/2017</a:t>
+              <a:pPr/>
+              <a:t>3/20/2018</a:t>
             </a:fld>
             <a:endParaRPr lang="en-US"/>
           </a:p>
@@ -1740,6 +1753,7 @@
           <a:p>
             <a:fld id="{FB34683C-161B-4520-BF45-B179E228CF2A}" type="slidenum">
               <a:rPr lang="en-US" smtClean="0"/>
+              <a:pPr/>
               <a:t>‹#›</a:t>
             </a:fld>
             <a:endParaRPr lang="en-US"/>
@@ -1749,7 +1763,7 @@
     </p:spTree>
     <p:extLst>
       <p:ext uri="{BB962C8B-B14F-4D97-AF65-F5344CB8AC3E}">
-        <p14:creationId xmlns:p14="http://schemas.microsoft.com/office/powerpoint/2010/main" val="562293251"/>
+        <p14:creationId xmlns:p14="http://schemas.microsoft.com/office/powerpoint/2010/main" xmlns="" val="562293251"/>
       </p:ext>
     </p:extLst>
   </p:cSld>
@@ -2117,7 +2131,8 @@
           <a:p>
             <a:fld id="{78C97017-6FC3-485B-9764-EAC9E56C1D49}" type="datetimeFigureOut">
               <a:rPr lang="en-US" smtClean="0"/>
-              <a:t>1/7/2017</a:t>
+              <a:pPr/>
+              <a:t>3/20/2018</a:t>
             </a:fld>
             <a:endParaRPr lang="en-US"/>
           </a:p>
@@ -2159,6 +2174,7 @@
           <a:p>
             <a:fld id="{FB34683C-161B-4520-BF45-B179E228CF2A}" type="slidenum">
               <a:rPr lang="en-US" smtClean="0"/>
+              <a:pPr/>
               <a:t>‹#›</a:t>
             </a:fld>
             <a:endParaRPr lang="en-US"/>
@@ -2168,7 +2184,7 @@
     </p:spTree>
     <p:extLst>
       <p:ext uri="{BB962C8B-B14F-4D97-AF65-F5344CB8AC3E}">
-        <p14:creationId xmlns:p14="http://schemas.microsoft.com/office/powerpoint/2010/main" val="1126424250"/>
+        <p14:creationId xmlns:p14="http://schemas.microsoft.com/office/powerpoint/2010/main" xmlns="" val="1126424250"/>
       </p:ext>
     </p:extLst>
   </p:cSld>
@@ -2234,7 +2250,8 @@
           <a:p>
             <a:fld id="{78C97017-6FC3-485B-9764-EAC9E56C1D49}" type="datetimeFigureOut">
               <a:rPr lang="en-US" smtClean="0"/>
-              <a:t>1/7/2017</a:t>
+              <a:pPr/>
+              <a:t>3/20/2018</a:t>
             </a:fld>
             <a:endParaRPr lang="en-US"/>
           </a:p>
@@ -2276,6 +2293,7 @@
           <a:p>
             <a:fld id="{FB34683C-161B-4520-BF45-B179E228CF2A}" type="slidenum">
               <a:rPr lang="en-US" smtClean="0"/>
+              <a:pPr/>
               <a:t>‹#›</a:t>
             </a:fld>
             <a:endParaRPr lang="en-US"/>
@@ -2285,7 +2303,7 @@
     </p:spTree>
     <p:extLst>
       <p:ext uri="{BB962C8B-B14F-4D97-AF65-F5344CB8AC3E}">
-        <p14:creationId xmlns:p14="http://schemas.microsoft.com/office/powerpoint/2010/main" val="4159724230"/>
+        <p14:creationId xmlns:p14="http://schemas.microsoft.com/office/powerpoint/2010/main" xmlns="" val="4159724230"/>
       </p:ext>
     </p:extLst>
   </p:cSld>
@@ -2329,7 +2347,8 @@
           <a:p>
             <a:fld id="{78C97017-6FC3-485B-9764-EAC9E56C1D49}" type="datetimeFigureOut">
               <a:rPr lang="en-US" smtClean="0"/>
-              <a:t>1/7/2017</a:t>
+              <a:pPr/>
+              <a:t>3/20/2018</a:t>
             </a:fld>
             <a:endParaRPr lang="en-US"/>
           </a:p>
@@ -2371,6 +2390,7 @@
           <a:p>
             <a:fld id="{FB34683C-161B-4520-BF45-B179E228CF2A}" type="slidenum">
               <a:rPr lang="en-US" smtClean="0"/>
+              <a:pPr/>
               <a:t>‹#›</a:t>
             </a:fld>
             <a:endParaRPr lang="en-US"/>
@@ -2380,7 +2400,7 @@
     </p:spTree>
     <p:extLst>
       <p:ext uri="{BB962C8B-B14F-4D97-AF65-F5344CB8AC3E}">
-        <p14:creationId xmlns:p14="http://schemas.microsoft.com/office/powerpoint/2010/main" val="1793928710"/>
+        <p14:creationId xmlns:p14="http://schemas.microsoft.com/office/powerpoint/2010/main" xmlns="" val="1793928710"/>
       </p:ext>
     </p:extLst>
   </p:cSld>
@@ -2604,7 +2624,8 @@
           <a:p>
             <a:fld id="{78C97017-6FC3-485B-9764-EAC9E56C1D49}" type="datetimeFigureOut">
               <a:rPr lang="en-US" smtClean="0"/>
-              <a:t>1/7/2017</a:t>
+              <a:pPr/>
+              <a:t>3/20/2018</a:t>
             </a:fld>
             <a:endParaRPr lang="en-US"/>
           </a:p>
@@ -2646,6 +2667,7 @@
           <a:p>
             <a:fld id="{FB34683C-161B-4520-BF45-B179E228CF2A}" type="slidenum">
               <a:rPr lang="en-US" smtClean="0"/>
+              <a:pPr/>
               <a:t>‹#›</a:t>
             </a:fld>
             <a:endParaRPr lang="en-US"/>
@@ -2655,7 +2677,7 @@
     </p:spTree>
     <p:extLst>
       <p:ext uri="{BB962C8B-B14F-4D97-AF65-F5344CB8AC3E}">
-        <p14:creationId xmlns:p14="http://schemas.microsoft.com/office/powerpoint/2010/main" val="2076802089"/>
+        <p14:creationId xmlns:p14="http://schemas.microsoft.com/office/powerpoint/2010/main" xmlns="" val="2076802089"/>
       </p:ext>
     </p:extLst>
   </p:cSld>
@@ -2856,7 +2878,8 @@
           <a:p>
             <a:fld id="{78C97017-6FC3-485B-9764-EAC9E56C1D49}" type="datetimeFigureOut">
               <a:rPr lang="en-US" smtClean="0"/>
-              <a:t>1/7/2017</a:t>
+              <a:pPr/>
+              <a:t>3/20/2018</a:t>
             </a:fld>
             <a:endParaRPr lang="en-US"/>
           </a:p>
@@ -2898,6 +2921,7 @@
           <a:p>
             <a:fld id="{FB34683C-161B-4520-BF45-B179E228CF2A}" type="slidenum">
               <a:rPr lang="en-US" smtClean="0"/>
+              <a:pPr/>
               <a:t>‹#›</a:t>
             </a:fld>
             <a:endParaRPr lang="en-US"/>
@@ -2907,7 +2931,7 @@
     </p:spTree>
     <p:extLst>
       <p:ext uri="{BB962C8B-B14F-4D97-AF65-F5344CB8AC3E}">
-        <p14:creationId xmlns:p14="http://schemas.microsoft.com/office/powerpoint/2010/main" val="201835938"/>
+        <p14:creationId xmlns:p14="http://schemas.microsoft.com/office/powerpoint/2010/main" xmlns="" val="201835938"/>
       </p:ext>
     </p:extLst>
   </p:cSld>
@@ -3067,7 +3091,8 @@
           <a:p>
             <a:fld id="{78C97017-6FC3-485B-9764-EAC9E56C1D49}" type="datetimeFigureOut">
               <a:rPr lang="en-US" smtClean="0"/>
-              <a:t>1/7/2017</a:t>
+              <a:pPr/>
+              <a:t>3/20/2018</a:t>
             </a:fld>
             <a:endParaRPr lang="en-US"/>
           </a:p>
@@ -3145,6 +3170,7 @@
           <a:p>
             <a:fld id="{FB34683C-161B-4520-BF45-B179E228CF2A}" type="slidenum">
               <a:rPr lang="en-US" smtClean="0"/>
+              <a:pPr/>
               <a:t>‹#›</a:t>
             </a:fld>
             <a:endParaRPr lang="en-US"/>
@@ -3154,7 +3180,7 @@
     </p:spTree>
     <p:extLst>
       <p:ext uri="{BB962C8B-B14F-4D97-AF65-F5344CB8AC3E}">
-        <p14:creationId xmlns:p14="http://schemas.microsoft.com/office/powerpoint/2010/main" val="2341400630"/>
+        <p14:creationId xmlns:p14="http://schemas.microsoft.com/office/powerpoint/2010/main" xmlns="" val="2341400630"/>
       </p:ext>
     </p:extLst>
   </p:cSld>
@@ -3450,8 +3476,8 @@
         </p:nvSpPr>
         <p:spPr>
           <a:xfrm>
-            <a:off x="1217465" y="1447800"/>
-            <a:ext cx="4917083" cy="3962400"/>
+            <a:off x="1295400" y="1447800"/>
+            <a:ext cx="4917083" cy="4495800"/>
           </a:xfrm>
           <a:prstGeom prst="roundRect">
             <a:avLst>
@@ -3945,7 +3971,7 @@
         </p:nvSpPr>
         <p:spPr>
           <a:xfrm>
-            <a:off x="2592527" y="4563759"/>
+            <a:off x="2592527" y="5173359"/>
             <a:ext cx="1093635" cy="236841"/>
           </a:xfrm>
           <a:prstGeom prst="rect">
@@ -4005,7 +4031,7 @@
         </p:nvSpPr>
         <p:spPr>
           <a:xfrm>
-            <a:off x="2592526" y="3991960"/>
+            <a:off x="2592526" y="3962400"/>
             <a:ext cx="1093635" cy="236841"/>
           </a:xfrm>
           <a:prstGeom prst="rect">
@@ -4125,7 +4151,7 @@
         </p:nvSpPr>
         <p:spPr>
           <a:xfrm>
-            <a:off x="2592528" y="4966000"/>
+            <a:off x="2592528" y="5562600"/>
             <a:ext cx="1093635" cy="236841"/>
           </a:xfrm>
           <a:prstGeom prst="rect">
@@ -4378,8 +4404,8 @@
         </p:nvCxnSpPr>
         <p:spPr>
           <a:xfrm rot="16200000" flipH="1">
-            <a:off x="1883148" y="3401003"/>
-            <a:ext cx="1242356" cy="176400"/>
+            <a:off x="1897928" y="3386223"/>
+            <a:ext cx="1212796" cy="176400"/>
           </a:xfrm>
           <a:prstGeom prst="bentConnector2">
             <a:avLst/>
@@ -4411,16 +4437,13 @@
       <p:cxnSp>
         <p:nvCxnSpPr>
           <p:cNvPr id="50" name="Elbow Connector 63"/>
-          <p:cNvCxnSpPr>
-            <a:stCxn id="39" idx="2"/>
-            <a:endCxn id="35" idx="1"/>
-          </p:cNvCxnSpPr>
+          <p:cNvCxnSpPr/>
           <p:nvPr/>
         </p:nvCxnSpPr>
         <p:spPr>
           <a:xfrm rot="16200000" flipH="1">
-            <a:off x="1597249" y="3686901"/>
-            <a:ext cx="1814155" cy="176401"/>
+            <a:off x="1307326" y="4004400"/>
+            <a:ext cx="2394000" cy="176401"/>
           </a:xfrm>
           <a:prstGeom prst="bentConnector2">
             <a:avLst/>
@@ -4452,15 +4475,13 @@
       <p:cxnSp>
         <p:nvCxnSpPr>
           <p:cNvPr id="53" name="Elbow Connector 63"/>
-          <p:cNvCxnSpPr>
-            <a:endCxn id="38" idx="1"/>
-          </p:cNvCxnSpPr>
+          <p:cNvCxnSpPr/>
           <p:nvPr/>
         </p:nvCxnSpPr>
         <p:spPr>
           <a:xfrm rot="16200000" flipH="1">
-            <a:off x="1184119" y="3676012"/>
-            <a:ext cx="2396440" cy="420377"/>
+            <a:off x="873601" y="3945000"/>
+            <a:ext cx="2970000" cy="450000"/>
           </a:xfrm>
           <a:prstGeom prst="bentConnector2">
             <a:avLst/>
@@ -4736,14 +4757,13 @@
         <p:nvCxnSpPr>
           <p:cNvPr id="91" name="Elbow Connector 63"/>
           <p:cNvCxnSpPr>
-            <a:stCxn id="16" idx="3"/>
             <a:endCxn id="35" idx="3"/>
           </p:cNvCxnSpPr>
           <p:nvPr/>
         </p:nvCxnSpPr>
         <p:spPr>
           <a:xfrm rot="5400000">
-            <a:off x="3409976" y="2562187"/>
+            <a:off x="3409976" y="3171787"/>
             <a:ext cx="2396180" cy="1843807"/>
           </a:xfrm>
           <a:prstGeom prst="bentConnector2">
@@ -4784,8 +4804,8 @@
         </p:nvCxnSpPr>
         <p:spPr>
           <a:xfrm rot="5400000">
-            <a:off x="3208856" y="2763307"/>
-            <a:ext cx="2798421" cy="1843806"/>
+            <a:off x="2910556" y="3061607"/>
+            <a:ext cx="3395021" cy="1843806"/>
           </a:xfrm>
           <a:prstGeom prst="bentConnector2">
             <a:avLst/>
@@ -4863,7 +4883,7 @@
         </p:nvSpPr>
         <p:spPr>
           <a:xfrm rot="16200000">
-            <a:off x="6213739" y="4560376"/>
+            <a:off x="6213739" y="4636578"/>
             <a:ext cx="1371599" cy="328045"/>
           </a:xfrm>
           <a:prstGeom prst="roundRect">
@@ -5168,8 +5188,8 @@
         </p:nvCxnSpPr>
         <p:spPr>
           <a:xfrm rot="16200000" flipH="1">
-            <a:off x="3430123" y="3938021"/>
-            <a:ext cx="118421" cy="699979"/>
+            <a:off x="3415343" y="3923241"/>
+            <a:ext cx="147981" cy="699979"/>
           </a:xfrm>
           <a:prstGeom prst="bentConnector2">
             <a:avLst/>
@@ -5209,8 +5229,8 @@
         </p:nvCxnSpPr>
         <p:spPr>
           <a:xfrm rot="5400000">
-            <a:off x="3695875" y="2276286"/>
-            <a:ext cx="1824381" cy="1843808"/>
+            <a:off x="3710655" y="2261506"/>
+            <a:ext cx="1794821" cy="1843808"/>
           </a:xfrm>
           <a:prstGeom prst="bentConnector2">
             <a:avLst/>
@@ -5509,16 +5529,339 @@
           </a:p>
         </p:txBody>
       </p:sp>
+      <p:sp>
+        <p:nvSpPr>
+          <p:cNvPr id="63" name="Rectangle 11"/>
+          <p:cNvSpPr/>
+          <p:nvPr/>
+        </p:nvSpPr>
+        <p:spPr>
+          <a:xfrm>
+            <a:off x="2590800" y="4538359"/>
+            <a:ext cx="1093635" cy="236841"/>
+          </a:xfrm>
+          <a:prstGeom prst="rect">
+            <a:avLst/>
+          </a:prstGeom>
+          <a:ln w="19050">
+            <a:solidFill>
+              <a:schemeClr val="accent3"/>
+            </a:solidFill>
+          </a:ln>
+          <a:effectLst/>
+        </p:spPr>
+        <p:style>
+          <a:lnRef idx="1">
+            <a:schemeClr val="accent3"/>
+          </a:lnRef>
+          <a:fillRef idx="2">
+            <a:schemeClr val="accent3"/>
+          </a:fillRef>
+          <a:effectRef idx="1">
+            <a:schemeClr val="accent3"/>
+          </a:effectRef>
+          <a:fontRef idx="minor">
+            <a:schemeClr val="dk1"/>
+          </a:fontRef>
+        </p:style>
+        <p:txBody>
+          <a:bodyPr rtlCol="0" anchor="ctr"/>
+          <a:lstStyle/>
+          <a:p>
+            <a:pPr algn="ctr"/>
+            <a:r>
+              <a:rPr lang="en-US" sz="1050" b="1" dirty="0" err="1" smtClean="0">
+                <a:solidFill>
+                  <a:schemeClr val="accent3">
+                    <a:lumMod val="75000"/>
+                  </a:schemeClr>
+                </a:solidFill>
+              </a:rPr>
+              <a:t>TaskListPanel</a:t>
+            </a:r>
+            <a:endParaRPr lang="en-SG" sz="1050" b="1" dirty="0">
+              <a:solidFill>
+                <a:schemeClr val="accent3">
+                  <a:lumMod val="75000"/>
+                </a:schemeClr>
+              </a:solidFill>
+            </a:endParaRPr>
+          </a:p>
+        </p:txBody>
+      </p:sp>
+      <p:sp>
+        <p:nvSpPr>
+          <p:cNvPr id="67" name="Rectangle 11"/>
+          <p:cNvSpPr/>
+          <p:nvPr/>
+        </p:nvSpPr>
+        <p:spPr>
+          <a:xfrm>
+            <a:off x="3835894" y="4800600"/>
+            <a:ext cx="1040906" cy="236841"/>
+          </a:xfrm>
+          <a:prstGeom prst="rect">
+            <a:avLst/>
+          </a:prstGeom>
+          <a:ln w="19050">
+            <a:solidFill>
+              <a:schemeClr val="accent3"/>
+            </a:solidFill>
+          </a:ln>
+          <a:effectLst/>
+        </p:spPr>
+        <p:style>
+          <a:lnRef idx="1">
+            <a:schemeClr val="accent3"/>
+          </a:lnRef>
+          <a:fillRef idx="2">
+            <a:schemeClr val="accent3"/>
+          </a:fillRef>
+          <a:effectRef idx="1">
+            <a:schemeClr val="accent3"/>
+          </a:effectRef>
+          <a:fontRef idx="minor">
+            <a:schemeClr val="dk1"/>
+          </a:fontRef>
+        </p:style>
+        <p:txBody>
+          <a:bodyPr rtlCol="0" anchor="ctr"/>
+          <a:lstStyle/>
+          <a:p>
+            <a:pPr algn="ctr"/>
+            <a:r>
+              <a:rPr lang="en-US" sz="1050" b="1" dirty="0" err="1" smtClean="0">
+                <a:solidFill>
+                  <a:schemeClr val="accent3">
+                    <a:lumMod val="75000"/>
+                  </a:schemeClr>
+                </a:solidFill>
+              </a:rPr>
+              <a:t>TaskCard</a:t>
+            </a:r>
+            <a:endParaRPr lang="en-SG" sz="1050" b="1" dirty="0">
+              <a:solidFill>
+                <a:schemeClr val="accent3">
+                  <a:lumMod val="75000"/>
+                </a:schemeClr>
+              </a:solidFill>
+            </a:endParaRPr>
+          </a:p>
+        </p:txBody>
+      </p:sp>
+      <p:cxnSp>
+        <p:nvCxnSpPr>
+          <p:cNvPr id="68" name="Elbow Connector 136"/>
+          <p:cNvCxnSpPr/>
+          <p:nvPr/>
+        </p:nvCxnSpPr>
+        <p:spPr>
+          <a:xfrm rot="16200000" flipH="1">
+            <a:off x="3406610" y="4492791"/>
+            <a:ext cx="147981" cy="712800"/>
+          </a:xfrm>
+          <a:prstGeom prst="bentConnector2">
+            <a:avLst/>
+          </a:prstGeom>
+          <a:ln w="19050">
+            <a:solidFill>
+              <a:schemeClr val="accent3"/>
+            </a:solidFill>
+            <a:headEnd type="none" w="med" len="med"/>
+            <a:tailEnd type="arrow" w="med" len="med"/>
+          </a:ln>
+          <a:effectLst/>
+        </p:spPr>
+        <p:style>
+          <a:lnRef idx="1">
+            <a:schemeClr val="accent2"/>
+          </a:lnRef>
+          <a:fillRef idx="2">
+            <a:schemeClr val="accent2"/>
+          </a:fillRef>
+          <a:effectRef idx="1">
+            <a:schemeClr val="accent2"/>
+          </a:effectRef>
+          <a:fontRef idx="minor">
+            <a:schemeClr val="dk1"/>
+          </a:fontRef>
+        </p:style>
+      </p:cxnSp>
+      <p:sp>
+        <p:nvSpPr>
+          <p:cNvPr id="69" name="Freeform 68"/>
+          <p:cNvSpPr/>
+          <p:nvPr/>
+        </p:nvSpPr>
+        <p:spPr>
+          <a:xfrm flipV="1">
+            <a:off x="4114800" y="5029200"/>
+            <a:ext cx="2642195" cy="101600"/>
+          </a:xfrm>
+          <a:custGeom>
+            <a:avLst/>
+            <a:gdLst>
+              <a:gd name="connsiteX0" fmla="*/ 0 w 3048000"/>
+              <a:gd name="connsiteY0" fmla="*/ 203200 h 203200"/>
+              <a:gd name="connsiteX1" fmla="*/ 221673 w 3048000"/>
+              <a:gd name="connsiteY1" fmla="*/ 0 h 203200"/>
+              <a:gd name="connsiteX2" fmla="*/ 3048000 w 3048000"/>
+              <a:gd name="connsiteY2" fmla="*/ 0 h 203200"/>
+            </a:gdLst>
+            <a:ahLst/>
+            <a:cxnLst>
+              <a:cxn ang="0">
+                <a:pos x="connsiteX0" y="connsiteY0"/>
+              </a:cxn>
+              <a:cxn ang="0">
+                <a:pos x="connsiteX1" y="connsiteY1"/>
+              </a:cxn>
+              <a:cxn ang="0">
+                <a:pos x="connsiteX2" y="connsiteY2"/>
+              </a:cxn>
+            </a:cxnLst>
+            <a:rect l="l" t="t" r="r" b="b"/>
+            <a:pathLst>
+              <a:path w="3048000" h="203200">
+                <a:moveTo>
+                  <a:pt x="0" y="203200"/>
+                </a:moveTo>
+                <a:lnTo>
+                  <a:pt x="221673" y="0"/>
+                </a:lnTo>
+                <a:lnTo>
+                  <a:pt x="3048000" y="0"/>
+                </a:lnTo>
+              </a:path>
+            </a:pathLst>
+          </a:custGeom>
+          <a:noFill/>
+          <a:ln w="19050">
+            <a:solidFill>
+              <a:schemeClr val="accent3"/>
+            </a:solidFill>
+            <a:prstDash val="sysDot"/>
+            <a:headEnd type="none" w="med" len="med"/>
+            <a:tailEnd type="arrow" w="med" len="med"/>
+          </a:ln>
+          <a:effectLst/>
+        </p:spPr>
+        <p:style>
+          <a:lnRef idx="1">
+            <a:schemeClr val="accent2"/>
+          </a:lnRef>
+          <a:fillRef idx="2">
+            <a:schemeClr val="accent2"/>
+          </a:fillRef>
+          <a:effectRef idx="1">
+            <a:schemeClr val="accent2"/>
+          </a:effectRef>
+          <a:fontRef idx="minor">
+            <a:schemeClr val="dk1"/>
+          </a:fontRef>
+        </p:style>
+        <p:txBody>
+          <a:bodyPr rtlCol="0" anchor="ctr"/>
+          <a:lstStyle/>
+          <a:p>
+            <a:pPr algn="ctr"/>
+            <a:endParaRPr lang="en-SG"/>
+          </a:p>
+        </p:txBody>
+      </p:sp>
+      <p:cxnSp>
+        <p:nvCxnSpPr>
+          <p:cNvPr id="70" name="Elbow Connector 63"/>
+          <p:cNvCxnSpPr/>
+          <p:nvPr/>
+        </p:nvCxnSpPr>
+        <p:spPr>
+          <a:xfrm rot="16200000" flipH="1">
+            <a:off x="1629600" y="3687000"/>
+            <a:ext cx="1746000" cy="176400"/>
+          </a:xfrm>
+          <a:prstGeom prst="bentConnector2">
+            <a:avLst/>
+          </a:prstGeom>
+          <a:ln w="19050">
+            <a:solidFill>
+              <a:schemeClr val="accent3"/>
+            </a:solidFill>
+            <a:headEnd type="none" w="med" len="med"/>
+            <a:tailEnd type="arrow" w="med" len="med"/>
+          </a:ln>
+          <a:effectLst/>
+        </p:spPr>
+        <p:style>
+          <a:lnRef idx="1">
+            <a:schemeClr val="accent2"/>
+          </a:lnRef>
+          <a:fillRef idx="2">
+            <a:schemeClr val="accent2"/>
+          </a:fillRef>
+          <a:effectRef idx="1">
+            <a:schemeClr val="accent2"/>
+          </a:effectRef>
+          <a:fontRef idx="minor">
+            <a:schemeClr val="dk1"/>
+          </a:fontRef>
+        </p:style>
+      </p:cxnSp>
+      <p:cxnSp>
+        <p:nvCxnSpPr>
+          <p:cNvPr id="71" name="Elbow Connector 63"/>
+          <p:cNvCxnSpPr/>
+          <p:nvPr/>
+        </p:nvCxnSpPr>
+        <p:spPr>
+          <a:xfrm rot="5400000">
+            <a:off x="3905670" y="3296130"/>
+            <a:ext cx="2592000" cy="649740"/>
+          </a:xfrm>
+          <a:prstGeom prst="bentConnector2">
+            <a:avLst/>
+          </a:prstGeom>
+          <a:ln w="6350">
+            <a:solidFill>
+              <a:schemeClr val="accent3"/>
+            </a:solidFill>
+            <a:headEnd type="none" w="med" len="med"/>
+            <a:tailEnd type="none" w="med" len="med"/>
+          </a:ln>
+          <a:effectLst/>
+        </p:spPr>
+        <p:style>
+          <a:lnRef idx="1">
+            <a:schemeClr val="accent2"/>
+          </a:lnRef>
+          <a:fillRef idx="2">
+            <a:schemeClr val="accent2"/>
+          </a:fillRef>
+          <a:effectRef idx="1">
+            <a:schemeClr val="accent2"/>
+          </a:effectRef>
+          <a:fontRef idx="minor">
+            <a:schemeClr val="dk1"/>
+          </a:fontRef>
+        </p:style>
+      </p:cxnSp>
     </p:spTree>
     <p:extLst>
       <p:ext uri="{BB962C8B-B14F-4D97-AF65-F5344CB8AC3E}">
-        <p14:creationId xmlns:p14="http://schemas.microsoft.com/office/powerpoint/2010/main" val="2776882492"/>
+        <p14:creationId xmlns:p14="http://schemas.microsoft.com/office/powerpoint/2010/main" xmlns="" val="2776882492"/>
       </p:ext>
     </p:extLst>
   </p:cSld>
   <p:clrMapOvr>
     <a:masterClrMapping/>
   </p:clrMapOvr>
+  <p:timing>
+    <p:tnLst>
+      <p:par>
+        <p:cTn id="1" dur="indefinite" restart="never" nodeType="tmRoot"/>
+      </p:par>
+    </p:tnLst>
+  </p:timing>
 </p:sld>
 </file>
 

--- a/docs/diagrams/UiComponentClassDiagram.pptx
+++ b/docs/diagrams/UiComponentClassDiagram.pptx
@@ -109,7 +109,7 @@
   </p:defaultTextStyle>
   <p:extLst>
     <p:ext uri="{EFAFB233-063F-42B5-8137-9DF3F51BA10A}">
-      <p15:sldGuideLst xmlns:p15="http://schemas.microsoft.com/office/powerpoint/2012/main" xmlns="">
+      <p15:sldGuideLst xmlns:p15="http://schemas.microsoft.com/office/powerpoint/2012/main">
         <p15:guide id="1" orient="horz" pos="1488">
           <p15:clr>
             <a:srgbClr val="A4A3A4"/>
@@ -209,7 +209,7 @@
             <a:fld id="{F5CC4B3F-88C1-4FFA-B1B6-F41C21DC6924}" type="datetimeFigureOut">
               <a:rPr lang="en-US" smtClean="0"/>
               <a:pPr/>
-              <a:t>3/20/2018</a:t>
+              <a:t>4/15/2018</a:t>
             </a:fld>
             <a:endParaRPr lang="en-US"/>
           </a:p>
@@ -377,7 +377,7 @@
     </p:spTree>
     <p:extLst>
       <p:ext uri="{BB962C8B-B14F-4D97-AF65-F5344CB8AC3E}">
-        <p14:creationId xmlns:p14="http://schemas.microsoft.com/office/powerpoint/2010/main" xmlns="" val="2023976206"/>
+        <p14:creationId xmlns:p14="http://schemas.microsoft.com/office/powerpoint/2010/main" val="2023976206"/>
       </p:ext>
     </p:extLst>
   </p:cSld>
@@ -657,7 +657,7 @@
             <a:fld id="{78C97017-6FC3-485B-9764-EAC9E56C1D49}" type="datetimeFigureOut">
               <a:rPr lang="en-US" smtClean="0"/>
               <a:pPr/>
-              <a:t>3/20/2018</a:t>
+              <a:t>4/15/2018</a:t>
             </a:fld>
             <a:endParaRPr lang="en-US"/>
           </a:p>
@@ -709,7 +709,7 @@
     </p:spTree>
     <p:extLst>
       <p:ext uri="{BB962C8B-B14F-4D97-AF65-F5344CB8AC3E}">
-        <p14:creationId xmlns:p14="http://schemas.microsoft.com/office/powerpoint/2010/main" xmlns="" val="3246593157"/>
+        <p14:creationId xmlns:p14="http://schemas.microsoft.com/office/powerpoint/2010/main" val="3246593157"/>
       </p:ext>
     </p:extLst>
   </p:cSld>
@@ -827,7 +827,7 @@
             <a:fld id="{78C97017-6FC3-485B-9764-EAC9E56C1D49}" type="datetimeFigureOut">
               <a:rPr lang="en-US" smtClean="0"/>
               <a:pPr/>
-              <a:t>3/20/2018</a:t>
+              <a:t>4/15/2018</a:t>
             </a:fld>
             <a:endParaRPr lang="en-US"/>
           </a:p>
@@ -879,7 +879,7 @@
     </p:spTree>
     <p:extLst>
       <p:ext uri="{BB962C8B-B14F-4D97-AF65-F5344CB8AC3E}">
-        <p14:creationId xmlns:p14="http://schemas.microsoft.com/office/powerpoint/2010/main" xmlns="" val="2707025021"/>
+        <p14:creationId xmlns:p14="http://schemas.microsoft.com/office/powerpoint/2010/main" val="2707025021"/>
       </p:ext>
     </p:extLst>
   </p:cSld>
@@ -1007,7 +1007,7 @@
             <a:fld id="{78C97017-6FC3-485B-9764-EAC9E56C1D49}" type="datetimeFigureOut">
               <a:rPr lang="en-US" smtClean="0"/>
               <a:pPr/>
-              <a:t>3/20/2018</a:t>
+              <a:t>4/15/2018</a:t>
             </a:fld>
             <a:endParaRPr lang="en-US"/>
           </a:p>
@@ -1059,7 +1059,7 @@
     </p:spTree>
     <p:extLst>
       <p:ext uri="{BB962C8B-B14F-4D97-AF65-F5344CB8AC3E}">
-        <p14:creationId xmlns:p14="http://schemas.microsoft.com/office/powerpoint/2010/main" xmlns="" val="568378986"/>
+        <p14:creationId xmlns:p14="http://schemas.microsoft.com/office/powerpoint/2010/main" val="568378986"/>
       </p:ext>
     </p:extLst>
   </p:cSld>
@@ -1177,7 +1177,7 @@
             <a:fld id="{78C97017-6FC3-485B-9764-EAC9E56C1D49}" type="datetimeFigureOut">
               <a:rPr lang="en-US" smtClean="0"/>
               <a:pPr/>
-              <a:t>3/20/2018</a:t>
+              <a:t>4/15/2018</a:t>
             </a:fld>
             <a:endParaRPr lang="en-US"/>
           </a:p>
@@ -1229,7 +1229,7 @@
     </p:spTree>
     <p:extLst>
       <p:ext uri="{BB962C8B-B14F-4D97-AF65-F5344CB8AC3E}">
-        <p14:creationId xmlns:p14="http://schemas.microsoft.com/office/powerpoint/2010/main" xmlns="" val="266658052"/>
+        <p14:creationId xmlns:p14="http://schemas.microsoft.com/office/powerpoint/2010/main" val="266658052"/>
       </p:ext>
     </p:extLst>
   </p:cSld>
@@ -1424,7 +1424,7 @@
             <a:fld id="{78C97017-6FC3-485B-9764-EAC9E56C1D49}" type="datetimeFigureOut">
               <a:rPr lang="en-US" smtClean="0"/>
               <a:pPr/>
-              <a:t>3/20/2018</a:t>
+              <a:t>4/15/2018</a:t>
             </a:fld>
             <a:endParaRPr lang="en-US"/>
           </a:p>
@@ -1476,7 +1476,7 @@
     </p:spTree>
     <p:extLst>
       <p:ext uri="{BB962C8B-B14F-4D97-AF65-F5344CB8AC3E}">
-        <p14:creationId xmlns:p14="http://schemas.microsoft.com/office/powerpoint/2010/main" xmlns="" val="474686344"/>
+        <p14:creationId xmlns:p14="http://schemas.microsoft.com/office/powerpoint/2010/main" val="474686344"/>
       </p:ext>
     </p:extLst>
   </p:cSld>
@@ -1711,7 +1711,7 @@
             <a:fld id="{78C97017-6FC3-485B-9764-EAC9E56C1D49}" type="datetimeFigureOut">
               <a:rPr lang="en-US" smtClean="0"/>
               <a:pPr/>
-              <a:t>3/20/2018</a:t>
+              <a:t>4/15/2018</a:t>
             </a:fld>
             <a:endParaRPr lang="en-US"/>
           </a:p>
@@ -1763,7 +1763,7 @@
     </p:spTree>
     <p:extLst>
       <p:ext uri="{BB962C8B-B14F-4D97-AF65-F5344CB8AC3E}">
-        <p14:creationId xmlns:p14="http://schemas.microsoft.com/office/powerpoint/2010/main" xmlns="" val="562293251"/>
+        <p14:creationId xmlns:p14="http://schemas.microsoft.com/office/powerpoint/2010/main" val="562293251"/>
       </p:ext>
     </p:extLst>
   </p:cSld>
@@ -2132,7 +2132,7 @@
             <a:fld id="{78C97017-6FC3-485B-9764-EAC9E56C1D49}" type="datetimeFigureOut">
               <a:rPr lang="en-US" smtClean="0"/>
               <a:pPr/>
-              <a:t>3/20/2018</a:t>
+              <a:t>4/15/2018</a:t>
             </a:fld>
             <a:endParaRPr lang="en-US"/>
           </a:p>
@@ -2184,7 +2184,7 @@
     </p:spTree>
     <p:extLst>
       <p:ext uri="{BB962C8B-B14F-4D97-AF65-F5344CB8AC3E}">
-        <p14:creationId xmlns:p14="http://schemas.microsoft.com/office/powerpoint/2010/main" xmlns="" val="1126424250"/>
+        <p14:creationId xmlns:p14="http://schemas.microsoft.com/office/powerpoint/2010/main" val="1126424250"/>
       </p:ext>
     </p:extLst>
   </p:cSld>
@@ -2251,7 +2251,7 @@
             <a:fld id="{78C97017-6FC3-485B-9764-EAC9E56C1D49}" type="datetimeFigureOut">
               <a:rPr lang="en-US" smtClean="0"/>
               <a:pPr/>
-              <a:t>3/20/2018</a:t>
+              <a:t>4/15/2018</a:t>
             </a:fld>
             <a:endParaRPr lang="en-US"/>
           </a:p>
@@ -2303,7 +2303,7 @@
     </p:spTree>
     <p:extLst>
       <p:ext uri="{BB962C8B-B14F-4D97-AF65-F5344CB8AC3E}">
-        <p14:creationId xmlns:p14="http://schemas.microsoft.com/office/powerpoint/2010/main" xmlns="" val="4159724230"/>
+        <p14:creationId xmlns:p14="http://schemas.microsoft.com/office/powerpoint/2010/main" val="4159724230"/>
       </p:ext>
     </p:extLst>
   </p:cSld>
@@ -2348,7 +2348,7 @@
             <a:fld id="{78C97017-6FC3-485B-9764-EAC9E56C1D49}" type="datetimeFigureOut">
               <a:rPr lang="en-US" smtClean="0"/>
               <a:pPr/>
-              <a:t>3/20/2018</a:t>
+              <a:t>4/15/2018</a:t>
             </a:fld>
             <a:endParaRPr lang="en-US"/>
           </a:p>
@@ -2400,7 +2400,7 @@
     </p:spTree>
     <p:extLst>
       <p:ext uri="{BB962C8B-B14F-4D97-AF65-F5344CB8AC3E}">
-        <p14:creationId xmlns:p14="http://schemas.microsoft.com/office/powerpoint/2010/main" xmlns="" val="1793928710"/>
+        <p14:creationId xmlns:p14="http://schemas.microsoft.com/office/powerpoint/2010/main" val="1793928710"/>
       </p:ext>
     </p:extLst>
   </p:cSld>
@@ -2625,7 +2625,7 @@
             <a:fld id="{78C97017-6FC3-485B-9764-EAC9E56C1D49}" type="datetimeFigureOut">
               <a:rPr lang="en-US" smtClean="0"/>
               <a:pPr/>
-              <a:t>3/20/2018</a:t>
+              <a:t>4/15/2018</a:t>
             </a:fld>
             <a:endParaRPr lang="en-US"/>
           </a:p>
@@ -2677,7 +2677,7 @@
     </p:spTree>
     <p:extLst>
       <p:ext uri="{BB962C8B-B14F-4D97-AF65-F5344CB8AC3E}">
-        <p14:creationId xmlns:p14="http://schemas.microsoft.com/office/powerpoint/2010/main" xmlns="" val="2076802089"/>
+        <p14:creationId xmlns:p14="http://schemas.microsoft.com/office/powerpoint/2010/main" val="2076802089"/>
       </p:ext>
     </p:extLst>
   </p:cSld>
@@ -2879,7 +2879,7 @@
             <a:fld id="{78C97017-6FC3-485B-9764-EAC9E56C1D49}" type="datetimeFigureOut">
               <a:rPr lang="en-US" smtClean="0"/>
               <a:pPr/>
-              <a:t>3/20/2018</a:t>
+              <a:t>4/15/2018</a:t>
             </a:fld>
             <a:endParaRPr lang="en-US"/>
           </a:p>
@@ -2931,7 +2931,7 @@
     </p:spTree>
     <p:extLst>
       <p:ext uri="{BB962C8B-B14F-4D97-AF65-F5344CB8AC3E}">
-        <p14:creationId xmlns:p14="http://schemas.microsoft.com/office/powerpoint/2010/main" xmlns="" val="201835938"/>
+        <p14:creationId xmlns:p14="http://schemas.microsoft.com/office/powerpoint/2010/main" val="201835938"/>
       </p:ext>
     </p:extLst>
   </p:cSld>
@@ -3092,7 +3092,7 @@
             <a:fld id="{78C97017-6FC3-485B-9764-EAC9E56C1D49}" type="datetimeFigureOut">
               <a:rPr lang="en-US" smtClean="0"/>
               <a:pPr/>
-              <a:t>3/20/2018</a:t>
+              <a:t>4/15/2018</a:t>
             </a:fld>
             <a:endParaRPr lang="en-US"/>
           </a:p>
@@ -3180,7 +3180,7 @@
     </p:spTree>
     <p:extLst>
       <p:ext uri="{BB962C8B-B14F-4D97-AF65-F5344CB8AC3E}">
-        <p14:creationId xmlns:p14="http://schemas.microsoft.com/office/powerpoint/2010/main" xmlns="" val="2341400630"/>
+        <p14:creationId xmlns:p14="http://schemas.microsoft.com/office/powerpoint/2010/main" val="2341400630"/>
       </p:ext>
     </p:extLst>
   </p:cSld>
@@ -3476,8 +3476,8 @@
         </p:nvSpPr>
         <p:spPr>
           <a:xfrm>
-            <a:off x="1295400" y="1447800"/>
-            <a:ext cx="4917083" cy="4495800"/>
+            <a:off x="1295400" y="1447799"/>
+            <a:ext cx="5031050" cy="5029189"/>
           </a:xfrm>
           <a:prstGeom prst="roundRect">
             <a:avLst>
@@ -3971,7 +3971,7 @@
         </p:nvSpPr>
         <p:spPr>
           <a:xfrm>
-            <a:off x="2592527" y="5173359"/>
+            <a:off x="2585329" y="5647667"/>
             <a:ext cx="1093635" cy="236841"/>
           </a:xfrm>
           <a:prstGeom prst="rect">
@@ -4151,7 +4151,7 @@
         </p:nvSpPr>
         <p:spPr>
           <a:xfrm>
-            <a:off x="2592528" y="5562600"/>
+            <a:off x="2585330" y="6036908"/>
             <a:ext cx="1093635" cy="236841"/>
           </a:xfrm>
           <a:prstGeom prst="rect">
@@ -4437,13 +4437,16 @@
       <p:cxnSp>
         <p:nvCxnSpPr>
           <p:cNvPr id="50" name="Elbow Connector 63"/>
-          <p:cNvCxnSpPr/>
+          <p:cNvCxnSpPr>
+            <a:cxnSpLocks/>
+            <a:endCxn id="35" idx="1"/>
+          </p:cNvCxnSpPr>
           <p:nvPr/>
         </p:nvCxnSpPr>
         <p:spPr>
           <a:xfrm rot="16200000" flipH="1">
-            <a:off x="1307326" y="4004400"/>
-            <a:ext cx="2394000" cy="176401"/>
+            <a:off x="1065483" y="4246242"/>
+            <a:ext cx="2870488" cy="169203"/>
           </a:xfrm>
           <a:prstGeom prst="bentConnector2">
             <a:avLst/>
@@ -4475,13 +4478,16 @@
       <p:cxnSp>
         <p:nvCxnSpPr>
           <p:cNvPr id="53" name="Elbow Connector 63"/>
-          <p:cNvCxnSpPr/>
+          <p:cNvCxnSpPr>
+            <a:cxnSpLocks/>
+            <a:endCxn id="38" idx="1"/>
+          </p:cNvCxnSpPr>
           <p:nvPr/>
         </p:nvCxnSpPr>
         <p:spPr>
           <a:xfrm rot="16200000" flipH="1">
-            <a:off x="873601" y="3945000"/>
-            <a:ext cx="2970000" cy="450000"/>
+            <a:off x="624300" y="4194299"/>
+            <a:ext cx="3470330" cy="451729"/>
           </a:xfrm>
           <a:prstGeom prst="bentConnector2">
             <a:avLst/>
@@ -4757,13 +4763,14 @@
         <p:nvCxnSpPr>
           <p:cNvPr id="91" name="Elbow Connector 63"/>
           <p:cNvCxnSpPr>
+            <a:cxnSpLocks/>
             <a:endCxn id="35" idx="3"/>
           </p:cNvCxnSpPr>
           <p:nvPr/>
         </p:nvCxnSpPr>
         <p:spPr>
           <a:xfrm rot="5400000">
-            <a:off x="3409976" y="3171787"/>
+            <a:off x="3402778" y="3646095"/>
             <a:ext cx="2396180" cy="1843807"/>
           </a:xfrm>
           <a:prstGeom prst="bentConnector2">
@@ -4804,8 +4811,8 @@
         </p:nvCxnSpPr>
         <p:spPr>
           <a:xfrm rot="5400000">
-            <a:off x="2910556" y="3061607"/>
-            <a:ext cx="3395021" cy="1843806"/>
+            <a:off x="2669803" y="3295162"/>
+            <a:ext cx="3869329" cy="1851004"/>
           </a:xfrm>
           <a:prstGeom prst="bentConnector2">
             <a:avLst/>
@@ -4883,8 +4890,8 @@
         </p:nvSpPr>
         <p:spPr>
           <a:xfrm rot="16200000">
-            <a:off x="6213739" y="4636578"/>
-            <a:ext cx="1371599" cy="328045"/>
+            <a:off x="6210742" y="4784114"/>
+            <a:ext cx="1651287" cy="394456"/>
           </a:xfrm>
           <a:prstGeom prst="roundRect">
             <a:avLst/>
@@ -5402,7 +5409,7 @@
         </p:nvSpPr>
         <p:spPr>
           <a:xfrm>
-            <a:off x="5431573" y="4488138"/>
+            <a:off x="5424375" y="4962446"/>
             <a:ext cx="229325" cy="160062"/>
           </a:xfrm>
           <a:prstGeom prst="rect">
@@ -5456,7 +5463,7 @@
         <p:spPr>
           <a:xfrm flipV="1">
             <a:off x="4114799" y="4472708"/>
-            <a:ext cx="2642195" cy="101600"/>
+            <a:ext cx="2724358" cy="65312"/>
           </a:xfrm>
           <a:custGeom>
             <a:avLst/>
@@ -5537,7 +5544,7 @@
         </p:nvSpPr>
         <p:spPr>
           <a:xfrm>
-            <a:off x="2590800" y="4538359"/>
+            <a:off x="2583602" y="5012667"/>
             <a:ext cx="1093635" cy="236841"/>
           </a:xfrm>
           <a:prstGeom prst="rect">
@@ -5570,7 +5577,7 @@
           <a:p>
             <a:pPr algn="ctr"/>
             <a:r>
-              <a:rPr lang="en-US" sz="1050" b="1" dirty="0" err="1" smtClean="0">
+              <a:rPr lang="en-US" sz="1050" b="1" dirty="0" err="1">
                 <a:solidFill>
                   <a:schemeClr val="accent3">
                     <a:lumMod val="75000"/>
@@ -5597,7 +5604,7 @@
         </p:nvSpPr>
         <p:spPr>
           <a:xfrm>
-            <a:off x="3835894" y="4800600"/>
+            <a:off x="3828696" y="5274908"/>
             <a:ext cx="1040906" cy="236841"/>
           </a:xfrm>
           <a:prstGeom prst="rect">
@@ -5630,7 +5637,7 @@
           <a:p>
             <a:pPr algn="ctr"/>
             <a:r>
-              <a:rPr lang="en-US" sz="1050" b="1" dirty="0" err="1" smtClean="0">
+              <a:rPr lang="en-US" sz="1050" b="1" dirty="0" err="1">
                 <a:solidFill>
                   <a:schemeClr val="accent3">
                     <a:lumMod val="75000"/>
@@ -5657,7 +5664,7 @@
         </p:nvCxnSpPr>
         <p:spPr>
           <a:xfrm rot="16200000" flipH="1">
-            <a:off x="3406610" y="4492791"/>
+            <a:off x="3399412" y="4967099"/>
             <a:ext cx="147981" cy="712800"/>
           </a:xfrm>
           <a:prstGeom prst="bentConnector2">
@@ -5695,7 +5702,7 @@
         </p:nvSpPr>
         <p:spPr>
           <a:xfrm flipV="1">
-            <a:off x="4114800" y="5029200"/>
+            <a:off x="4201674" y="5516000"/>
             <a:ext cx="2642195" cy="101600"/>
           </a:xfrm>
           <a:custGeom>
@@ -5777,7 +5784,7 @@
         </p:nvCxnSpPr>
         <p:spPr>
           <a:xfrm rot="16200000" flipH="1">
-            <a:off x="1629600" y="3687000"/>
+            <a:off x="1629598" y="4172665"/>
             <a:ext cx="1746000" cy="176400"/>
           </a:xfrm>
           <a:prstGeom prst="bentConnector2">
@@ -5810,12 +5817,14 @@
       <p:cxnSp>
         <p:nvCxnSpPr>
           <p:cNvPr id="71" name="Elbow Connector 63"/>
-          <p:cNvCxnSpPr/>
+          <p:cNvCxnSpPr>
+            <a:cxnSpLocks/>
+          </p:cNvCxnSpPr>
           <p:nvPr/>
         </p:nvCxnSpPr>
         <p:spPr>
           <a:xfrm rot="5400000">
-            <a:off x="3905670" y="3296130"/>
+            <a:off x="3886121" y="3743331"/>
             <a:ext cx="2592000" cy="649740"/>
           </a:xfrm>
           <a:prstGeom prst="bentConnector2">
@@ -5845,23 +5854,427 @@
           </a:fontRef>
         </p:style>
       </p:cxnSp>
+      <p:sp>
+        <p:nvSpPr>
+          <p:cNvPr id="54" name="Rectangle 53">
+            <a:extLst>
+              <a:ext uri="{FF2B5EF4-FFF2-40B4-BE49-F238E27FC236}">
+                <a16:creationId xmlns:a16="http://schemas.microsoft.com/office/drawing/2014/main" id="{7387E6F5-5F18-4750-B345-C6A3D2BED847}"/>
+              </a:ext>
+            </a:extLst>
+          </p:cNvPr>
+          <p:cNvSpPr/>
+          <p:nvPr/>
+        </p:nvSpPr>
+        <p:spPr>
+          <a:xfrm>
+            <a:off x="5410957" y="4463179"/>
+            <a:ext cx="229325" cy="160062"/>
+          </a:xfrm>
+          <a:prstGeom prst="rect">
+            <a:avLst/>
+          </a:prstGeom>
+          <a:solidFill>
+            <a:schemeClr val="accent3">
+              <a:lumMod val="20000"/>
+              <a:lumOff val="80000"/>
+              <a:alpha val="80000"/>
+            </a:schemeClr>
+          </a:solidFill>
+          <a:ln>
+            <a:noFill/>
+          </a:ln>
+          <a:effectLst>
+            <a:softEdge rad="31750"/>
+          </a:effectLst>
+        </p:spPr>
+        <p:style>
+          <a:lnRef idx="2">
+            <a:schemeClr val="accent1">
+              <a:shade val="50000"/>
+            </a:schemeClr>
+          </a:lnRef>
+          <a:fillRef idx="1">
+            <a:schemeClr val="accent1"/>
+          </a:fillRef>
+          <a:effectRef idx="0">
+            <a:schemeClr val="accent1"/>
+          </a:effectRef>
+          <a:fontRef idx="minor">
+            <a:schemeClr val="lt1"/>
+          </a:fontRef>
+        </p:style>
+        <p:txBody>
+          <a:bodyPr rtlCol="0" anchor="ctr"/>
+          <a:lstStyle/>
+          <a:p>
+            <a:pPr algn="ctr"/>
+            <a:endParaRPr lang="en-SG"/>
+          </a:p>
+        </p:txBody>
+      </p:sp>
+      <p:sp>
+        <p:nvSpPr>
+          <p:cNvPr id="55" name="Rectangle 11">
+            <a:extLst>
+              <a:ext uri="{FF2B5EF4-FFF2-40B4-BE49-F238E27FC236}">
+                <a16:creationId xmlns:a16="http://schemas.microsoft.com/office/drawing/2014/main" id="{B8595DDD-E861-4A3E-AB5A-58D85179CE40}"/>
+              </a:ext>
+            </a:extLst>
+          </p:cNvPr>
+          <p:cNvSpPr/>
+          <p:nvPr/>
+        </p:nvSpPr>
+        <p:spPr>
+          <a:xfrm>
+            <a:off x="2570184" y="4513400"/>
+            <a:ext cx="1093635" cy="236841"/>
+          </a:xfrm>
+          <a:prstGeom prst="rect">
+            <a:avLst/>
+          </a:prstGeom>
+          <a:ln w="19050">
+            <a:solidFill>
+              <a:schemeClr val="accent3"/>
+            </a:solidFill>
+          </a:ln>
+          <a:effectLst/>
+        </p:spPr>
+        <p:style>
+          <a:lnRef idx="1">
+            <a:schemeClr val="accent3"/>
+          </a:lnRef>
+          <a:fillRef idx="2">
+            <a:schemeClr val="accent3"/>
+          </a:fillRef>
+          <a:effectRef idx="1">
+            <a:schemeClr val="accent3"/>
+          </a:effectRef>
+          <a:fontRef idx="minor">
+            <a:schemeClr val="dk1"/>
+          </a:fontRef>
+        </p:style>
+        <p:txBody>
+          <a:bodyPr rtlCol="0" anchor="ctr"/>
+          <a:lstStyle/>
+          <a:p>
+            <a:pPr algn="ctr"/>
+            <a:r>
+              <a:rPr lang="en-US" sz="1050" b="1" dirty="0" err="1">
+                <a:solidFill>
+                  <a:schemeClr val="accent3">
+                    <a:lumMod val="75000"/>
+                  </a:schemeClr>
+                </a:solidFill>
+              </a:rPr>
+              <a:t>EventListPanel</a:t>
+            </a:r>
+            <a:endParaRPr lang="en-SG" sz="1050" b="1" dirty="0">
+              <a:solidFill>
+                <a:schemeClr val="accent3">
+                  <a:lumMod val="75000"/>
+                </a:schemeClr>
+              </a:solidFill>
+            </a:endParaRPr>
+          </a:p>
+        </p:txBody>
+      </p:sp>
+      <p:sp>
+        <p:nvSpPr>
+          <p:cNvPr id="56" name="Rectangle 11">
+            <a:extLst>
+              <a:ext uri="{FF2B5EF4-FFF2-40B4-BE49-F238E27FC236}">
+                <a16:creationId xmlns:a16="http://schemas.microsoft.com/office/drawing/2014/main" id="{778BFAD1-F46E-4251-A993-FC6F70B5FFE6}"/>
+              </a:ext>
+            </a:extLst>
+          </p:cNvPr>
+          <p:cNvSpPr/>
+          <p:nvPr/>
+        </p:nvSpPr>
+        <p:spPr>
+          <a:xfrm>
+            <a:off x="3815278" y="4775641"/>
+            <a:ext cx="1040906" cy="236841"/>
+          </a:xfrm>
+          <a:prstGeom prst="rect">
+            <a:avLst/>
+          </a:prstGeom>
+          <a:ln w="19050">
+            <a:solidFill>
+              <a:schemeClr val="accent3"/>
+            </a:solidFill>
+          </a:ln>
+          <a:effectLst/>
+        </p:spPr>
+        <p:style>
+          <a:lnRef idx="1">
+            <a:schemeClr val="accent3"/>
+          </a:lnRef>
+          <a:fillRef idx="2">
+            <a:schemeClr val="accent3"/>
+          </a:fillRef>
+          <a:effectRef idx="1">
+            <a:schemeClr val="accent3"/>
+          </a:effectRef>
+          <a:fontRef idx="minor">
+            <a:schemeClr val="dk1"/>
+          </a:fontRef>
+        </p:style>
+        <p:txBody>
+          <a:bodyPr rtlCol="0" anchor="ctr"/>
+          <a:lstStyle/>
+          <a:p>
+            <a:pPr algn="ctr"/>
+            <a:r>
+              <a:rPr lang="en-US" sz="1050" b="1" dirty="0" err="1">
+                <a:solidFill>
+                  <a:schemeClr val="accent3">
+                    <a:lumMod val="75000"/>
+                  </a:schemeClr>
+                </a:solidFill>
+              </a:rPr>
+              <a:t>EventCard</a:t>
+            </a:r>
+            <a:endParaRPr lang="en-SG" sz="1050" b="1" dirty="0">
+              <a:solidFill>
+                <a:schemeClr val="accent3">
+                  <a:lumMod val="75000"/>
+                </a:schemeClr>
+              </a:solidFill>
+            </a:endParaRPr>
+          </a:p>
+        </p:txBody>
+      </p:sp>
+      <p:cxnSp>
+        <p:nvCxnSpPr>
+          <p:cNvPr id="57" name="Elbow Connector 136">
+            <a:extLst>
+              <a:ext uri="{FF2B5EF4-FFF2-40B4-BE49-F238E27FC236}">
+                <a16:creationId xmlns:a16="http://schemas.microsoft.com/office/drawing/2014/main" id="{84FF3019-1AB6-4DC4-896B-B25B761BEB62}"/>
+              </a:ext>
+            </a:extLst>
+          </p:cNvPr>
+          <p:cNvCxnSpPr/>
+          <p:nvPr/>
+        </p:nvCxnSpPr>
+        <p:spPr>
+          <a:xfrm rot="16200000" flipH="1">
+            <a:off x="3385994" y="4467832"/>
+            <a:ext cx="147981" cy="712800"/>
+          </a:xfrm>
+          <a:prstGeom prst="bentConnector2">
+            <a:avLst/>
+          </a:prstGeom>
+          <a:ln w="19050">
+            <a:solidFill>
+              <a:schemeClr val="accent3"/>
+            </a:solidFill>
+            <a:headEnd type="none" w="med" len="med"/>
+            <a:tailEnd type="arrow" w="med" len="med"/>
+          </a:ln>
+          <a:effectLst/>
+        </p:spPr>
+        <p:style>
+          <a:lnRef idx="1">
+            <a:schemeClr val="accent2"/>
+          </a:lnRef>
+          <a:fillRef idx="2">
+            <a:schemeClr val="accent2"/>
+          </a:fillRef>
+          <a:effectRef idx="1">
+            <a:schemeClr val="accent2"/>
+          </a:effectRef>
+          <a:fontRef idx="minor">
+            <a:schemeClr val="dk1"/>
+          </a:fontRef>
+        </p:style>
+      </p:cxnSp>
+      <p:cxnSp>
+        <p:nvCxnSpPr>
+          <p:cNvPr id="58" name="Elbow Connector 63">
+            <a:extLst>
+              <a:ext uri="{FF2B5EF4-FFF2-40B4-BE49-F238E27FC236}">
+                <a16:creationId xmlns:a16="http://schemas.microsoft.com/office/drawing/2014/main" id="{775919AE-E8C3-4900-A26D-91925016135F}"/>
+              </a:ext>
+            </a:extLst>
+          </p:cNvPr>
+          <p:cNvCxnSpPr/>
+          <p:nvPr/>
+        </p:nvCxnSpPr>
+        <p:spPr>
+          <a:xfrm rot="16200000" flipH="1">
+            <a:off x="1622401" y="3653308"/>
+            <a:ext cx="1746000" cy="176400"/>
+          </a:xfrm>
+          <a:prstGeom prst="bentConnector2">
+            <a:avLst/>
+          </a:prstGeom>
+          <a:ln w="19050">
+            <a:solidFill>
+              <a:schemeClr val="accent3"/>
+            </a:solidFill>
+            <a:headEnd type="none" w="med" len="med"/>
+            <a:tailEnd type="arrow" w="med" len="med"/>
+          </a:ln>
+          <a:effectLst/>
+        </p:spPr>
+        <p:style>
+          <a:lnRef idx="1">
+            <a:schemeClr val="accent2"/>
+          </a:lnRef>
+          <a:fillRef idx="2">
+            <a:schemeClr val="accent2"/>
+          </a:fillRef>
+          <a:effectRef idx="1">
+            <a:schemeClr val="accent2"/>
+          </a:effectRef>
+          <a:fontRef idx="minor">
+            <a:schemeClr val="dk1"/>
+          </a:fontRef>
+        </p:style>
+      </p:cxnSp>
+      <p:sp>
+        <p:nvSpPr>
+          <p:cNvPr id="59" name="Freeform 68">
+            <a:extLst>
+              <a:ext uri="{FF2B5EF4-FFF2-40B4-BE49-F238E27FC236}">
+                <a16:creationId xmlns:a16="http://schemas.microsoft.com/office/drawing/2014/main" id="{DFBFA769-2C7E-472F-9537-D8B2D89897A1}"/>
+              </a:ext>
+            </a:extLst>
+          </p:cNvPr>
+          <p:cNvSpPr/>
+          <p:nvPr/>
+        </p:nvSpPr>
+        <p:spPr>
+          <a:xfrm flipV="1">
+            <a:off x="4185893" y="5034722"/>
+            <a:ext cx="2642195" cy="101600"/>
+          </a:xfrm>
+          <a:custGeom>
+            <a:avLst/>
+            <a:gdLst>
+              <a:gd name="connsiteX0" fmla="*/ 0 w 3048000"/>
+              <a:gd name="connsiteY0" fmla="*/ 203200 h 203200"/>
+              <a:gd name="connsiteX1" fmla="*/ 221673 w 3048000"/>
+              <a:gd name="connsiteY1" fmla="*/ 0 h 203200"/>
+              <a:gd name="connsiteX2" fmla="*/ 3048000 w 3048000"/>
+              <a:gd name="connsiteY2" fmla="*/ 0 h 203200"/>
+            </a:gdLst>
+            <a:ahLst/>
+            <a:cxnLst>
+              <a:cxn ang="0">
+                <a:pos x="connsiteX0" y="connsiteY0"/>
+              </a:cxn>
+              <a:cxn ang="0">
+                <a:pos x="connsiteX1" y="connsiteY1"/>
+              </a:cxn>
+              <a:cxn ang="0">
+                <a:pos x="connsiteX2" y="connsiteY2"/>
+              </a:cxn>
+            </a:cxnLst>
+            <a:rect l="l" t="t" r="r" b="b"/>
+            <a:pathLst>
+              <a:path w="3048000" h="203200">
+                <a:moveTo>
+                  <a:pt x="0" y="203200"/>
+                </a:moveTo>
+                <a:lnTo>
+                  <a:pt x="221673" y="0"/>
+                </a:lnTo>
+                <a:lnTo>
+                  <a:pt x="3048000" y="0"/>
+                </a:lnTo>
+              </a:path>
+            </a:pathLst>
+          </a:custGeom>
+          <a:noFill/>
+          <a:ln w="19050">
+            <a:solidFill>
+              <a:schemeClr val="accent3"/>
+            </a:solidFill>
+            <a:prstDash val="sysDot"/>
+            <a:headEnd type="none" w="med" len="med"/>
+            <a:tailEnd type="arrow" w="med" len="med"/>
+          </a:ln>
+          <a:effectLst/>
+        </p:spPr>
+        <p:style>
+          <a:lnRef idx="1">
+            <a:schemeClr val="accent2"/>
+          </a:lnRef>
+          <a:fillRef idx="2">
+            <a:schemeClr val="accent2"/>
+          </a:fillRef>
+          <a:effectRef idx="1">
+            <a:schemeClr val="accent2"/>
+          </a:effectRef>
+          <a:fontRef idx="minor">
+            <a:schemeClr val="dk1"/>
+          </a:fontRef>
+        </p:style>
+        <p:txBody>
+          <a:bodyPr rtlCol="0" anchor="ctr"/>
+          <a:lstStyle/>
+          <a:p>
+            <a:pPr algn="ctr"/>
+            <a:endParaRPr lang="en-SG"/>
+          </a:p>
+        </p:txBody>
+      </p:sp>
+      <p:cxnSp>
+        <p:nvCxnSpPr>
+          <p:cNvPr id="60" name="Elbow Connector 63">
+            <a:extLst>
+              <a:ext uri="{FF2B5EF4-FFF2-40B4-BE49-F238E27FC236}">
+                <a16:creationId xmlns:a16="http://schemas.microsoft.com/office/drawing/2014/main" id="{A49AD900-AD08-46BE-ABE6-3EBB680A5F88}"/>
+              </a:ext>
+            </a:extLst>
+          </p:cNvPr>
+          <p:cNvCxnSpPr/>
+          <p:nvPr/>
+        </p:nvCxnSpPr>
+        <p:spPr>
+          <a:xfrm rot="5400000">
+            <a:off x="4158706" y="3574617"/>
+            <a:ext cx="2061222" cy="649740"/>
+          </a:xfrm>
+          <a:prstGeom prst="bentConnector2">
+            <a:avLst/>
+          </a:prstGeom>
+          <a:ln w="6350">
+            <a:solidFill>
+              <a:schemeClr val="accent3"/>
+            </a:solidFill>
+            <a:headEnd type="none" w="med" len="med"/>
+            <a:tailEnd type="none" w="med" len="med"/>
+          </a:ln>
+          <a:effectLst/>
+        </p:spPr>
+        <p:style>
+          <a:lnRef idx="1">
+            <a:schemeClr val="accent2"/>
+          </a:lnRef>
+          <a:fillRef idx="2">
+            <a:schemeClr val="accent2"/>
+          </a:fillRef>
+          <a:effectRef idx="1">
+            <a:schemeClr val="accent2"/>
+          </a:effectRef>
+          <a:fontRef idx="minor">
+            <a:schemeClr val="dk1"/>
+          </a:fontRef>
+        </p:style>
+      </p:cxnSp>
     </p:spTree>
     <p:extLst>
       <p:ext uri="{BB962C8B-B14F-4D97-AF65-F5344CB8AC3E}">
-        <p14:creationId xmlns:p14="http://schemas.microsoft.com/office/powerpoint/2010/main" xmlns="" val="2776882492"/>
+        <p14:creationId xmlns:p14="http://schemas.microsoft.com/office/powerpoint/2010/main" val="2776882492"/>
       </p:ext>
     </p:extLst>
   </p:cSld>
   <p:clrMapOvr>
     <a:masterClrMapping/>
   </p:clrMapOvr>
-  <p:timing>
-    <p:tnLst>
-      <p:par>
-        <p:cTn id="1" dur="indefinite" restart="never" nodeType="tmRoot"/>
-      </p:par>
-    </p:tnLst>
-  </p:timing>
 </p:sld>
 </file>
 
